--- a/工作日報_葉柏漢/2021.08/2021.08.04(加班)~2021.08.05工作日報_葉柏漢.pptx
+++ b/工作日報_葉柏漢/2021.08/2021.08.04(加班)~2021.08.05工作日報_葉柏漢.pptx
@@ -214,7 +214,7 @@
           <a:p>
             <a:fld id="{5F45278C-940B-4C39-9CBC-669F45D4F0E2}" type="datetimeFigureOut">
               <a:rPr lang="zh-CN" altLang="en-US" smtClean="0"/>
-              <a:t>2021/8/4</a:t>
+              <a:t>2021/8/5</a:t>
             </a:fld>
             <a:endParaRPr lang="zh-CN" altLang="en-US"/>
           </a:p>
@@ -695,7 +695,7 @@
           <a:p>
             <a:fld id="{D997B5FA-0921-464F-AAE1-844C04324D75}" type="datetimeFigureOut">
               <a:rPr lang="zh-CN" altLang="en-US" smtClean="0"/>
-              <a:t>2021/8/4</a:t>
+              <a:t>2021/8/5</a:t>
             </a:fld>
             <a:endParaRPr lang="zh-CN" altLang="en-US"/>
           </a:p>
@@ -875,7 +875,7 @@
           <a:p>
             <a:fld id="{D997B5FA-0921-464F-AAE1-844C04324D75}" type="datetimeFigureOut">
               <a:rPr lang="zh-CN" altLang="en-US" smtClean="0"/>
-              <a:t>2021/8/4</a:t>
+              <a:t>2021/8/5</a:t>
             </a:fld>
             <a:endParaRPr lang="zh-CN" altLang="en-US"/>
           </a:p>
@@ -1065,7 +1065,7 @@
           <a:p>
             <a:fld id="{D997B5FA-0921-464F-AAE1-844C04324D75}" type="datetimeFigureOut">
               <a:rPr lang="zh-CN" altLang="en-US" smtClean="0"/>
-              <a:t>2021/8/4</a:t>
+              <a:t>2021/8/5</a:t>
             </a:fld>
             <a:endParaRPr lang="zh-CN" altLang="en-US"/>
           </a:p>
@@ -1276,7 +1276,7 @@
                 </a:solidFill>
               </a:rPr>
               <a:pPr/>
-              <a:t>2021/8/4</a:t>
+              <a:t>2021/8/5</a:t>
             </a:fld>
             <a:endParaRPr lang="zh-CN" altLang="en-US">
               <a:solidFill>
@@ -1508,7 +1508,7 @@
                 </a:solidFill>
               </a:rPr>
               <a:pPr/>
-              <a:t>2021/8/4</a:t>
+              <a:t>2021/8/5</a:t>
             </a:fld>
             <a:endParaRPr lang="zh-CN" altLang="en-US">
               <a:solidFill>
@@ -1739,7 +1739,7 @@
           <a:p>
             <a:fld id="{D997B5FA-0921-464F-AAE1-844C04324D75}" type="datetimeFigureOut">
               <a:rPr lang="zh-CN" altLang="en-US" smtClean="0"/>
-              <a:t>2021/8/4</a:t>
+              <a:t>2021/8/5</a:t>
             </a:fld>
             <a:endParaRPr lang="zh-CN" altLang="en-US"/>
           </a:p>
@@ -1996,7 +1996,7 @@
           <a:p>
             <a:fld id="{D997B5FA-0921-464F-AAE1-844C04324D75}" type="datetimeFigureOut">
               <a:rPr lang="zh-CN" altLang="en-US" smtClean="0"/>
-              <a:t>2021/8/4</a:t>
+              <a:t>2021/8/5</a:t>
             </a:fld>
             <a:endParaRPr lang="zh-CN" altLang="en-US"/>
           </a:p>
@@ -2237,7 +2237,7 @@
           <a:p>
             <a:fld id="{D997B5FA-0921-464F-AAE1-844C04324D75}" type="datetimeFigureOut">
               <a:rPr lang="zh-CN" altLang="en-US" smtClean="0"/>
-              <a:t>2021/8/4</a:t>
+              <a:t>2021/8/5</a:t>
             </a:fld>
             <a:endParaRPr lang="zh-CN" altLang="en-US"/>
           </a:p>
@@ -2613,7 +2613,7 @@
           <a:p>
             <a:fld id="{D997B5FA-0921-464F-AAE1-844C04324D75}" type="datetimeFigureOut">
               <a:rPr lang="zh-CN" altLang="en-US" smtClean="0"/>
-              <a:t>2021/8/4</a:t>
+              <a:t>2021/8/5</a:t>
             </a:fld>
             <a:endParaRPr lang="zh-CN" altLang="en-US"/>
           </a:p>
@@ -2867,7 +2867,7 @@
           <a:p>
             <a:fld id="{D997B5FA-0921-464F-AAE1-844C04324D75}" type="datetimeFigureOut">
               <a:rPr lang="zh-CN" altLang="en-US" smtClean="0"/>
-              <a:t>2021/8/4</a:t>
+              <a:t>2021/8/5</a:t>
             </a:fld>
             <a:endParaRPr lang="zh-CN" altLang="en-US"/>
           </a:p>
@@ -2974,7 +2974,7 @@
           <a:p>
             <a:fld id="{D997B5FA-0921-464F-AAE1-844C04324D75}" type="datetimeFigureOut">
               <a:rPr lang="zh-CN" altLang="en-US" smtClean="0"/>
-              <a:t>2021/8/4</a:t>
+              <a:t>2021/8/5</a:t>
             </a:fld>
             <a:endParaRPr lang="zh-CN" altLang="en-US"/>
           </a:p>
@@ -3261,7 +3261,7 @@
           <a:p>
             <a:fld id="{D997B5FA-0921-464F-AAE1-844C04324D75}" type="datetimeFigureOut">
               <a:rPr lang="zh-CN" altLang="en-US" smtClean="0"/>
-              <a:t>2021/8/4</a:t>
+              <a:t>2021/8/5</a:t>
             </a:fld>
             <a:endParaRPr lang="zh-CN" altLang="en-US"/>
           </a:p>
@@ -3525,7 +3525,7 @@
           <a:p>
             <a:fld id="{D997B5FA-0921-464F-AAE1-844C04324D75}" type="datetimeFigureOut">
               <a:rPr lang="zh-CN" altLang="en-US" smtClean="0"/>
-              <a:t>2021/8/4</a:t>
+              <a:t>2021/8/5</a:t>
             </a:fld>
             <a:endParaRPr lang="zh-CN" altLang="en-US"/>
           </a:p>
@@ -3751,7 +3751,7 @@
           <a:p>
             <a:fld id="{D997B5FA-0921-464F-AAE1-844C04324D75}" type="datetimeFigureOut">
               <a:rPr lang="zh-CN" altLang="en-US" smtClean="0"/>
-              <a:t>2021/8/4</a:t>
+              <a:t>2021/8/5</a:t>
             </a:fld>
             <a:endParaRPr lang="zh-CN" altLang="en-US"/>
           </a:p>
@@ -5909,7 +5909,7 @@
         <p:spPr>
           <a:xfrm>
             <a:off x="213983" y="2681640"/>
-            <a:ext cx="6480116" cy="400110"/>
+            <a:ext cx="6480116" cy="1631216"/>
           </a:xfrm>
           <a:prstGeom prst="rect">
             <a:avLst/>
@@ -5948,11 +5948,78 @@
               <a:t>加班</a:t>
             </a:r>
             <a:r>
-              <a:rPr lang="en-US" altLang="zh-TW" sz="2000" spc="400" smtClean="0">
+              <a:rPr lang="en-US" altLang="zh-TW" sz="2000" spc="400" dirty="0" smtClean="0">
                 <a:cs typeface="+mn-ea"/>
                 <a:sym typeface="+mn-lt"/>
               </a:rPr>
               <a:t>)</a:t>
+            </a:r>
+          </a:p>
+          <a:p>
+            <a:pPr marL="342900" indent="-342900">
+              <a:buFont typeface="Wingdings" panose="05000000000000000000" pitchFamily="2" charset="2"/>
+              <a:buChar char="l"/>
+            </a:pPr>
+            <a:endParaRPr lang="en-US" altLang="zh-TW" sz="2000" spc="400" dirty="0">
+              <a:cs typeface="+mn-ea"/>
+              <a:sym typeface="+mn-lt"/>
+            </a:endParaRPr>
+          </a:p>
+          <a:p>
+            <a:pPr marL="342900" indent="-342900">
+              <a:buFont typeface="Wingdings" panose="05000000000000000000" pitchFamily="2" charset="2"/>
+              <a:buChar char="l"/>
+            </a:pPr>
+            <a:r>
+              <a:rPr lang="zh-TW" altLang="en-US" sz="2000" spc="400" dirty="0" smtClean="0">
+                <a:cs typeface="+mn-ea"/>
+                <a:sym typeface="+mn-lt"/>
+              </a:rPr>
+              <a:t>將表格的數值填完</a:t>
+            </a:r>
+            <a:r>
+              <a:rPr lang="en-US" altLang="zh-TW" sz="2000" spc="400" dirty="0" smtClean="0">
+                <a:cs typeface="+mn-ea"/>
+                <a:sym typeface="+mn-lt"/>
+              </a:rPr>
+              <a:t>(</a:t>
+            </a:r>
+            <a:r>
+              <a:rPr lang="zh-TW" altLang="en-US" sz="2000" spc="400" dirty="0" smtClean="0">
+                <a:cs typeface="+mn-ea"/>
+                <a:sym typeface="+mn-lt"/>
+              </a:rPr>
+              <a:t>剩下沒資料的部分</a:t>
+            </a:r>
+            <a:r>
+              <a:rPr lang="en-US" altLang="zh-TW" sz="2000" spc="400" dirty="0" smtClean="0">
+                <a:cs typeface="+mn-ea"/>
+                <a:sym typeface="+mn-lt"/>
+              </a:rPr>
+              <a:t>)</a:t>
+            </a:r>
+          </a:p>
+          <a:p>
+            <a:pPr marL="342900" indent="-342900">
+              <a:buFont typeface="Wingdings" panose="05000000000000000000" pitchFamily="2" charset="2"/>
+              <a:buChar char="l"/>
+            </a:pPr>
+            <a:endParaRPr lang="en-US" altLang="zh-TW" sz="2000" spc="400" dirty="0">
+              <a:cs typeface="+mn-ea"/>
+              <a:sym typeface="+mn-lt"/>
+            </a:endParaRPr>
+          </a:p>
+          <a:p>
+            <a:pPr marL="342900" indent="-342900">
+              <a:buFont typeface="Wingdings" panose="05000000000000000000" pitchFamily="2" charset="2"/>
+              <a:buChar char="l"/>
+            </a:pPr>
+            <a:r>
+              <a:rPr lang="zh-TW" altLang="en-US" sz="2000" spc="400" dirty="0" smtClean="0">
+                <a:cs typeface="+mn-ea"/>
+                <a:sym typeface="+mn-lt"/>
+              </a:rPr>
+              <a:t>修改側邊欄的選項</a:t>
             </a:r>
             <a:endParaRPr lang="en-US" altLang="zh-TW" sz="2000" spc="400" dirty="0" smtClean="0">
               <a:cs typeface="+mn-ea"/>
@@ -6767,8 +6834,8 @@
           </p:nvSpPr>
           <p:spPr>
             <a:xfrm>
-              <a:off x="1168693" y="1991896"/>
-              <a:ext cx="2500759" cy="785419"/>
+              <a:off x="1765497" y="1991896"/>
+              <a:ext cx="1903955" cy="785419"/>
             </a:xfrm>
             <a:prstGeom prst="rect">
               <a:avLst/>
@@ -6782,11 +6849,11 @@
             <a:lstStyle/>
             <a:p>
               <a:r>
-                <a:rPr lang="zh-TW" altLang="en-US" sz="4000" spc="400" dirty="0" smtClean="0">
+                <a:rPr lang="zh-TW" altLang="en-US" sz="4000" spc="400" dirty="0">
                   <a:cs typeface="+mn-ea"/>
                   <a:sym typeface="+mn-lt"/>
                 </a:rPr>
-                <a:t>溫室結構重量系統</a:t>
+                <a:t>表格的數值</a:t>
               </a:r>
               <a:endParaRPr lang="en-US" altLang="zh-TW" sz="4000" spc="400" dirty="0">
                 <a:cs typeface="+mn-ea"/>
@@ -6848,7 +6915,7 @@
       </p:grpSp>
       <p:pic>
         <p:nvPicPr>
-          <p:cNvPr id="1026" name="Picture 2"/>
+          <p:cNvPr id="1028" name="Picture 4"/>
           <p:cNvPicPr>
             <a:picLocks noChangeAspect="1" noChangeArrowheads="1"/>
           </p:cNvPicPr>
@@ -6869,8 +6936,8 @@
         </p:blipFill>
         <p:spPr bwMode="auto">
           <a:xfrm>
-            <a:off x="875633" y="1741717"/>
-            <a:ext cx="10440729" cy="5108597"/>
+            <a:off x="6822657" y="2028075"/>
+            <a:ext cx="3038475" cy="4181475"/>
           </a:xfrm>
           <a:prstGeom prst="rect">
             <a:avLst/>
@@ -6900,6 +6967,162 @@
           </a:extLst>
         </p:spPr>
       </p:pic>
+      <p:sp>
+        <p:nvSpPr>
+          <p:cNvPr id="10" name="向右箭號 9"/>
+          <p:cNvSpPr/>
+          <p:nvPr/>
+        </p:nvSpPr>
+        <p:spPr>
+          <a:xfrm>
+            <a:off x="5029198" y="4287252"/>
+            <a:ext cx="1411705" cy="360947"/>
+          </a:xfrm>
+          <a:prstGeom prst="rightArrow">
+            <a:avLst/>
+          </a:prstGeom>
+        </p:spPr>
+        <p:style>
+          <a:lnRef idx="2">
+            <a:schemeClr val="accent1">
+              <a:shade val="50000"/>
+            </a:schemeClr>
+          </a:lnRef>
+          <a:fillRef idx="1">
+            <a:schemeClr val="accent1"/>
+          </a:fillRef>
+          <a:effectRef idx="0">
+            <a:schemeClr val="accent1"/>
+          </a:effectRef>
+          <a:fontRef idx="minor">
+            <a:schemeClr val="lt1"/>
+          </a:fontRef>
+        </p:style>
+        <p:txBody>
+          <a:bodyPr rtlCol="0" anchor="ctr"/>
+          <a:lstStyle/>
+          <a:p>
+            <a:pPr algn="ctr"/>
+            <a:endParaRPr lang="zh-TW" altLang="en-US"/>
+          </a:p>
+        </p:txBody>
+      </p:sp>
+      <p:pic>
+        <p:nvPicPr>
+          <p:cNvPr id="16" name="圖片 15"/>
+          <p:cNvPicPr>
+            <a:picLocks noChangeAspect="1"/>
+          </p:cNvPicPr>
+          <p:nvPr/>
+        </p:nvPicPr>
+        <p:blipFill>
+          <a:blip r:embed="rId4"/>
+          <a:stretch>
+            <a:fillRect/>
+          </a:stretch>
+        </p:blipFill>
+        <p:spPr>
+          <a:xfrm>
+            <a:off x="1814422" y="2028074"/>
+            <a:ext cx="2659145" cy="4181476"/>
+          </a:xfrm>
+          <a:prstGeom prst="rect">
+            <a:avLst/>
+          </a:prstGeom>
+        </p:spPr>
+      </p:pic>
+      <p:sp>
+        <p:nvSpPr>
+          <p:cNvPr id="13" name="矩形 12"/>
+          <p:cNvSpPr/>
+          <p:nvPr/>
+        </p:nvSpPr>
+        <p:spPr>
+          <a:xfrm>
+            <a:off x="2045368" y="4732421"/>
+            <a:ext cx="1852864" cy="1331495"/>
+          </a:xfrm>
+          <a:prstGeom prst="rect">
+            <a:avLst/>
+          </a:prstGeom>
+          <a:noFill/>
+          <a:ln>
+            <a:solidFill>
+              <a:srgbClr val="FF0000"/>
+            </a:solidFill>
+          </a:ln>
+        </p:spPr>
+        <p:style>
+          <a:lnRef idx="2">
+            <a:schemeClr val="accent1">
+              <a:shade val="50000"/>
+            </a:schemeClr>
+          </a:lnRef>
+          <a:fillRef idx="1">
+            <a:schemeClr val="accent1"/>
+          </a:fillRef>
+          <a:effectRef idx="0">
+            <a:schemeClr val="accent1"/>
+          </a:effectRef>
+          <a:fontRef idx="minor">
+            <a:schemeClr val="lt1"/>
+          </a:fontRef>
+        </p:style>
+        <p:txBody>
+          <a:bodyPr rtlCol="0" anchor="ctr"/>
+          <a:lstStyle/>
+          <a:p>
+            <a:pPr algn="ctr"/>
+            <a:endParaRPr lang="zh-TW" altLang="en-US"/>
+          </a:p>
+        </p:txBody>
+      </p:sp>
+      <p:sp>
+        <p:nvSpPr>
+          <p:cNvPr id="18" name="矩形 17"/>
+          <p:cNvSpPr/>
+          <p:nvPr/>
+        </p:nvSpPr>
+        <p:spPr>
+          <a:xfrm>
+            <a:off x="6922168" y="5550569"/>
+            <a:ext cx="1852864" cy="368968"/>
+          </a:xfrm>
+          <a:prstGeom prst="rect">
+            <a:avLst/>
+          </a:prstGeom>
+          <a:noFill/>
+          <a:ln>
+            <a:solidFill>
+              <a:srgbClr val="FF0000"/>
+            </a:solidFill>
+          </a:ln>
+        </p:spPr>
+        <p:style>
+          <a:lnRef idx="2">
+            <a:schemeClr val="accent1">
+              <a:shade val="50000"/>
+            </a:schemeClr>
+          </a:lnRef>
+          <a:fillRef idx="1">
+            <a:schemeClr val="accent1"/>
+          </a:fillRef>
+          <a:effectRef idx="0">
+            <a:schemeClr val="accent1"/>
+          </a:effectRef>
+          <a:fontRef idx="minor">
+            <a:schemeClr val="lt1"/>
+          </a:fontRef>
+        </p:style>
+        <p:txBody>
+          <a:bodyPr rtlCol="0" anchor="ctr"/>
+          <a:lstStyle/>
+          <a:p>
+            <a:pPr algn="ctr"/>
+            <a:endParaRPr lang="zh-TW" altLang="en-US"/>
+          </a:p>
+        </p:txBody>
+      </p:sp>
     </p:spTree>
     <p:custDataLst>
       <p:tags r:id="rId1"/>
@@ -7264,8 +7487,8 @@
         </p:nvSpPr>
         <p:spPr>
           <a:xfrm>
-            <a:off x="3344496" y="3267866"/>
-            <a:ext cx="6545462" cy="523220"/>
+            <a:off x="3269959" y="2345444"/>
+            <a:ext cx="6545462" cy="1384995"/>
           </a:xfrm>
           <a:prstGeom prst="rect">
             <a:avLst/>
@@ -7284,21 +7507,29 @@
             </a:pPr>
             <a:r>
               <a:rPr lang="zh-TW" altLang="en-US" sz="2800" dirty="0" smtClean="0"/>
-              <a:t>繼續完成</a:t>
-            </a:r>
-            <a:r>
-              <a:rPr lang="zh-TW" altLang="en-US" sz="2800" spc="400" dirty="0">
-                <a:cs typeface="+mn-ea"/>
-                <a:sym typeface="+mn-lt"/>
-              </a:rPr>
-              <a:t>溫室結構重量</a:t>
-            </a:r>
-            <a:r>
-              <a:rPr lang="zh-TW" altLang="en-US" sz="2800" spc="400" dirty="0" smtClean="0">
-                <a:cs typeface="+mn-ea"/>
-                <a:sym typeface="+mn-lt"/>
-              </a:rPr>
-              <a:t>系統的功能</a:t>
+              <a:t>跟總監討論缺失資料的部分</a:t>
+            </a:r>
+            <a:endParaRPr lang="en-US" altLang="zh-TW" sz="2800" dirty="0" smtClean="0"/>
+          </a:p>
+          <a:p>
+            <a:pPr marL="285750" indent="-285750">
+              <a:buFont typeface="Wingdings" panose="05000000000000000000" pitchFamily="2" charset="2"/>
+              <a:buChar char="l"/>
+            </a:pPr>
+            <a:endParaRPr lang="en-US" altLang="zh-TW" sz="2800" dirty="0" smtClean="0"/>
+          </a:p>
+          <a:p>
+            <a:pPr marL="285750" indent="-285750">
+              <a:buFont typeface="Wingdings" panose="05000000000000000000" pitchFamily="2" charset="2"/>
+              <a:buChar char="l"/>
+            </a:pPr>
+            <a:r>
+              <a:rPr lang="zh-TW" altLang="en-US" sz="2800" dirty="0"/>
+              <a:t>開始</a:t>
+            </a:r>
+            <a:r>
+              <a:rPr lang="zh-TW" altLang="en-US" sz="2800" dirty="0" smtClean="0"/>
+              <a:t>構想成本分析</a:t>
             </a:r>
             <a:endParaRPr lang="en-US" altLang="zh-TW" sz="2800" dirty="0"/>
           </a:p>
